--- a/class 8/3.Ethics in IT/2. Presentation/Ethics 3.pptx
+++ b/class 8/3.Ethics in IT/2. Presentation/Ethics 3.pptx
@@ -5,7 +5,7 @@
     <p:sldMasterId id="2147483648" r:id="rId1"/>
   </p:sldMasterIdLst>
   <p:sldIdLst>
-    <p:sldId id="296" r:id="rId3"/>
+    <p:sldId id="305" r:id="rId3"/>
     <p:sldId id="297" r:id="rId4"/>
     <p:sldId id="299" r:id="rId5"/>
     <p:sldId id="300" r:id="rId6"/>
@@ -3025,6 +3025,293 @@
   <p:cSld>
     <p:bg>
       <p:bgPr>
+        <a:gradFill flip="none" rotWithShape="1">
+          <a:gsLst>
+            <a:gs pos="0">
+              <a:schemeClr val="accent1">
+                <a:lumMod val="5000"/>
+                <a:lumOff val="95000"/>
+              </a:schemeClr>
+            </a:gs>
+            <a:gs pos="74000">
+              <a:schemeClr val="accent1">
+                <a:lumMod val="45000"/>
+                <a:lumOff val="55000"/>
+              </a:schemeClr>
+            </a:gs>
+            <a:gs pos="83000">
+              <a:schemeClr val="accent1">
+                <a:lumMod val="45000"/>
+                <a:lumOff val="55000"/>
+              </a:schemeClr>
+            </a:gs>
+            <a:gs pos="100000">
+              <a:schemeClr val="accent1">
+                <a:lumMod val="30000"/>
+                <a:lumOff val="70000"/>
+              </a:schemeClr>
+            </a:gs>
+          </a:gsLst>
+          <a:lin ang="5400000" scaled="0"/>
+        </a:gradFill>
+        <a:effectLst/>
+      </p:bgPr>
+    </p:bg>
+    <p:spTree>
+      <p:nvGrpSpPr>
+        <p:cNvPr id="1" name=""/>
+        <p:cNvGrpSpPr/>
+        <p:nvPr/>
+      </p:nvGrpSpPr>
+      <p:grpSpPr/>
+      <p:sp>
+        <p:nvSpPr>
+          <p:cNvPr id="4" name="Text Box 3"/>
+          <p:cNvSpPr txBox="1"/>
+          <p:nvPr/>
+        </p:nvSpPr>
+        <p:spPr>
+          <a:xfrm>
+            <a:off x="663575" y="1674495"/>
+            <a:ext cx="10864850" cy="1198880"/>
+          </a:xfrm>
+          <a:prstGeom prst="rect">
+            <a:avLst/>
+          </a:prstGeom>
+          <a:noFill/>
+        </p:spPr>
+        <p:txBody>
+          <a:bodyPr wrap="square" rtlCol="0">
+            <a:spAutoFit/>
+          </a:bodyPr>
+          <a:p>
+            <a:pPr algn="ctr"/>
+            <a:r>
+              <a:rPr lang="en-US" altLang="en-US" sz="7200" b="1">
+                <a:solidFill>
+                  <a:srgbClr val="7030A0"/>
+                </a:solidFill>
+                <a:effectLst>
+                  <a:outerShdw blurRad="38100" dist="19050" dir="2700000" algn="tl" rotWithShape="0">
+                    <a:schemeClr val="dk1">
+                      <a:alpha val="40000"/>
+                    </a:schemeClr>
+                  </a:outerShdw>
+                </a:effectLst>
+                <a:uFillTx/>
+                <a:latin typeface="Tibetan Machine Uni" panose="01000503020000020002" charset="0"/>
+                <a:cs typeface="Tibetan Machine Uni" panose="01000503020000020002" charset="0"/>
+              </a:rPr>
+              <a:t>Ethics in IT</a:t>
+            </a:r>
+            <a:endParaRPr lang="en-US" altLang="en-US" sz="7200" b="1">
+              <a:solidFill>
+                <a:srgbClr val="7030A0"/>
+              </a:solidFill>
+              <a:effectLst>
+                <a:outerShdw blurRad="38100" dist="19050" dir="2700000" algn="tl" rotWithShape="0">
+                  <a:schemeClr val="dk1">
+                    <a:alpha val="40000"/>
+                  </a:schemeClr>
+                </a:outerShdw>
+              </a:effectLst>
+              <a:uFillTx/>
+              <a:latin typeface="Tibetan Machine Uni" panose="01000503020000020002" charset="0"/>
+              <a:cs typeface="Tibetan Machine Uni" panose="01000503020000020002" charset="0"/>
+            </a:endParaRPr>
+          </a:p>
+        </p:txBody>
+      </p:sp>
+      <p:pic>
+        <p:nvPicPr>
+          <p:cNvPr id="5" name="Picture 4" descr="United TrusT Logo"/>
+          <p:cNvPicPr>
+            <a:picLocks noChangeAspect="1"/>
+          </p:cNvPicPr>
+          <p:nvPr/>
+        </p:nvPicPr>
+        <p:blipFill>
+          <a:blip r:embed="rId1"/>
+          <a:stretch>
+            <a:fillRect/>
+          </a:stretch>
+        </p:blipFill>
+        <p:spPr>
+          <a:xfrm>
+            <a:off x="108585" y="6128385"/>
+            <a:ext cx="1650365" cy="634365"/>
+          </a:xfrm>
+          <a:prstGeom prst="rect">
+            <a:avLst/>
+          </a:prstGeom>
+        </p:spPr>
+      </p:pic>
+      <p:pic>
+        <p:nvPicPr>
+          <p:cNvPr id="6" name="Picture 5" descr="bdedu_logo"/>
+          <p:cNvPicPr>
+            <a:picLocks noChangeAspect="1"/>
+          </p:cNvPicPr>
+          <p:nvPr/>
+        </p:nvPicPr>
+        <p:blipFill>
+          <a:blip r:embed="rId2"/>
+          <a:stretch>
+            <a:fillRect/>
+          </a:stretch>
+        </p:blipFill>
+        <p:spPr>
+          <a:xfrm>
+            <a:off x="9421495" y="6061710"/>
+            <a:ext cx="2693670" cy="701040"/>
+          </a:xfrm>
+          <a:prstGeom prst="rect">
+            <a:avLst/>
+          </a:prstGeom>
+        </p:spPr>
+      </p:pic>
+      <p:sp>
+        <p:nvSpPr>
+          <p:cNvPr id="7" name="Text Box 6"/>
+          <p:cNvSpPr txBox="1"/>
+          <p:nvPr/>
+        </p:nvSpPr>
+        <p:spPr>
+          <a:xfrm>
+            <a:off x="3672205" y="4229100"/>
+            <a:ext cx="3981450" cy="1568450"/>
+          </a:xfrm>
+          <a:prstGeom prst="rect">
+            <a:avLst/>
+          </a:prstGeom>
+          <a:noFill/>
+        </p:spPr>
+        <p:txBody>
+          <a:bodyPr wrap="none" rtlCol="0">
+            <a:spAutoFit/>
+          </a:bodyPr>
+          <a:p>
+            <a:r>
+              <a:rPr lang="en-US" altLang="en-US" sz="4800" b="1">
+                <a:solidFill>
+                  <a:schemeClr val="tx1"/>
+                </a:solidFill>
+                <a:effectLst>
+                  <a:outerShdw blurRad="38100" dist="19050" dir="2700000" algn="tl" rotWithShape="0">
+                    <a:schemeClr val="dk1">
+                      <a:alpha val="40000"/>
+                    </a:schemeClr>
+                  </a:outerShdw>
+                </a:effectLst>
+                <a:latin typeface="Purisa" panose="02000603000000000000" charset="0"/>
+                <a:cs typeface="Purisa" panose="02000603000000000000" charset="0"/>
+              </a:rPr>
+              <a:t>Class VIII</a:t>
+            </a:r>
+            <a:endParaRPr lang="en-US" altLang="en-US" sz="4800" b="1">
+              <a:solidFill>
+                <a:schemeClr val="tx1"/>
+              </a:solidFill>
+              <a:effectLst>
+                <a:outerShdw blurRad="38100" dist="19050" dir="2700000" algn="tl" rotWithShape="0">
+                  <a:schemeClr val="dk1">
+                    <a:alpha val="40000"/>
+                  </a:schemeClr>
+                </a:outerShdw>
+              </a:effectLst>
+              <a:latin typeface="Purisa" panose="02000603000000000000" charset="0"/>
+              <a:cs typeface="Purisa" panose="02000603000000000000" charset="0"/>
+            </a:endParaRPr>
+          </a:p>
+          <a:p>
+            <a:r>
+              <a:rPr lang="en-US" altLang="en-US" sz="4800" b="1">
+                <a:solidFill>
+                  <a:schemeClr val="tx1"/>
+                </a:solidFill>
+                <a:effectLst>
+                  <a:outerShdw blurRad="38100" dist="19050" dir="2700000" algn="tl" rotWithShape="0">
+                    <a:schemeClr val="dk1">
+                      <a:alpha val="40000"/>
+                    </a:schemeClr>
+                  </a:outerShdw>
+                </a:effectLst>
+                <a:latin typeface="Purisa" panose="02000603000000000000" charset="0"/>
+                <a:cs typeface="Purisa" panose="02000603000000000000" charset="0"/>
+              </a:rPr>
+              <a:t>  lab </a:t>
+            </a:r>
+            <a:r>
+              <a:rPr lang="" altLang="en-US" sz="4800" b="1">
+                <a:solidFill>
+                  <a:schemeClr val="tx1"/>
+                </a:solidFill>
+                <a:effectLst>
+                  <a:outerShdw blurRad="38100" dist="19050" dir="2700000" algn="tl" rotWithShape="0">
+                    <a:schemeClr val="dk1">
+                      <a:alpha val="40000"/>
+                    </a:schemeClr>
+                  </a:outerShdw>
+                </a:effectLst>
+                <a:latin typeface="Purisa" panose="02000603000000000000" charset="0"/>
+                <a:cs typeface="Purisa" panose="02000603000000000000" charset="0"/>
+              </a:rPr>
+              <a:t>3</a:t>
+            </a:r>
+            <a:endParaRPr lang="" altLang="en-US" sz="4800" b="1">
+              <a:solidFill>
+                <a:schemeClr val="tx1"/>
+              </a:solidFill>
+              <a:effectLst>
+                <a:outerShdw blurRad="38100" dist="19050" dir="2700000" algn="tl" rotWithShape="0">
+                  <a:schemeClr val="dk1">
+                    <a:alpha val="40000"/>
+                  </a:schemeClr>
+                </a:outerShdw>
+              </a:effectLst>
+              <a:latin typeface="Purisa" panose="02000603000000000000" charset="0"/>
+              <a:cs typeface="Purisa" panose="02000603000000000000" charset="0"/>
+            </a:endParaRPr>
+          </a:p>
+        </p:txBody>
+      </p:sp>
+      <p:pic>
+        <p:nvPicPr>
+          <p:cNvPr id="2" name="Picture 1"/>
+          <p:cNvPicPr>
+            <a:picLocks noChangeAspect="1"/>
+          </p:cNvPicPr>
+          <p:nvPr/>
+        </p:nvPicPr>
+        <p:blipFill>
+          <a:blip r:embed="rId3"/>
+          <a:stretch>
+            <a:fillRect/>
+          </a:stretch>
+        </p:blipFill>
+        <p:spPr>
+          <a:xfrm>
+            <a:off x="9763125" y="278130"/>
+            <a:ext cx="2010410" cy="2010410"/>
+          </a:xfrm>
+          <a:prstGeom prst="rect">
+            <a:avLst/>
+          </a:prstGeom>
+        </p:spPr>
+      </p:pic>
+    </p:spTree>
+  </p:cSld>
+  <p:clrMapOvr>
+    <a:masterClrMapping/>
+  </p:clrMapOvr>
+</p:sld>
+</file>
+
+<file path=ppt/slides/slide2.xml><?xml version="1.0" encoding="utf-8"?>
+<p:sld xmlns:a="http://schemas.openxmlformats.org/drawingml/2006/main" xmlns:r="http://schemas.openxmlformats.org/officeDocument/2006/relationships" xmlns:p="http://schemas.openxmlformats.org/presentationml/2006/main">
+  <p:cSld>
+    <p:bg>
+      <p:bgPr>
         <a:gradFill>
           <a:gsLst>
             <a:gs pos="94000">
@@ -3297,7 +3584,7 @@
                 <a:latin typeface="Uroob" panose="00000800000000000000" charset="0"/>
                 <a:cs typeface="Uroob" panose="00000800000000000000" charset="0"/>
               </a:rPr>
-              <a:t>Respect Others</a:t>
+              <a:t>Ethical Hacker </a:t>
             </a:r>
             <a:endParaRPr lang="en-US" altLang="en-US" sz="8000">
               <a:solidFill>
@@ -3318,7 +3605,7 @@
         <p:spPr>
           <a:xfrm>
             <a:off x="560705" y="2320290"/>
-            <a:ext cx="3670300" cy="2553335"/>
+            <a:ext cx="4139565" cy="1322070"/>
           </a:xfrm>
           <a:prstGeom prst="rect">
             <a:avLst/>
@@ -3333,7 +3620,7 @@
             <a:pPr algn="l"/>
             <a:r>
               <a:rPr lang="en-US" altLang="en-US" sz="4000"/>
-              <a:t>respecting </a:t>
+              <a:t>Hacker who </a:t>
             </a:r>
             <a:endParaRPr lang="en-US" altLang="en-US" sz="4000"/>
           </a:p>
@@ -3341,23 +3628,7 @@
             <a:pPr algn="l"/>
             <a:r>
               <a:rPr lang="en-US" altLang="en-US" sz="4000"/>
-              <a:t>others</a:t>
-            </a:r>
-            <a:endParaRPr lang="en-US" altLang="en-US" sz="4000"/>
-          </a:p>
-          <a:p>
-            <a:pPr algn="l"/>
-            <a:r>
-              <a:rPr lang="en-US" altLang="en-US" sz="4000"/>
-              <a:t>will make you</a:t>
-            </a:r>
-            <a:endParaRPr lang="en-US" altLang="en-US" sz="4000"/>
-          </a:p>
-          <a:p>
-            <a:pPr algn="l"/>
-            <a:r>
-              <a:rPr lang="en-US" altLang="en-US" sz="4000"/>
-              <a:t>a special one</a:t>
+              <a:t>protects hacker</a:t>
             </a:r>
             <a:endParaRPr lang="en-US" altLang="en-US" sz="4000"/>
           </a:p>
@@ -3365,28 +3636,30 @@
       </p:sp>
       <p:pic>
         <p:nvPicPr>
-          <p:cNvPr id="4" name="Picture 10" descr="1"/>
+          <p:cNvPr id="4" name="Picture 2" descr="IMG_256"/>
           <p:cNvPicPr>
             <a:picLocks noChangeAspect="1"/>
           </p:cNvPicPr>
           <p:nvPr/>
         </p:nvPicPr>
         <p:blipFill>
-          <a:blip r:embed="rId4">
-            <a:lum bright="-6000"/>
-          </a:blip>
+          <a:blip r:embed="rId4"/>
           <a:stretch>
             <a:fillRect/>
           </a:stretch>
         </p:blipFill>
         <p:spPr>
           <a:xfrm>
-            <a:off x="4969510" y="1605915"/>
-            <a:ext cx="6212840" cy="4144010"/>
+            <a:off x="5451475" y="2076450"/>
+            <a:ext cx="6400165" cy="3621405"/>
           </a:xfrm>
           <a:prstGeom prst="rect">
             <a:avLst/>
           </a:prstGeom>
+          <a:noFill/>
+          <a:ln w="9525">
+            <a:noFill/>
+          </a:ln>
         </p:spPr>
       </p:pic>
     </p:spTree>
@@ -3397,7 +3670,7 @@
 </p:sld>
 </file>
 
-<file path=ppt/slides/slide2.xml><?xml version="1.0" encoding="utf-8"?>
+<file path=ppt/slides/slide3.xml><?xml version="1.0" encoding="utf-8"?>
 <p:sld xmlns:a="http://schemas.openxmlformats.org/drawingml/2006/main" xmlns:r="http://schemas.openxmlformats.org/officeDocument/2006/relationships" xmlns:p="http://schemas.openxmlformats.org/presentationml/2006/main">
   <p:cSld>
     <p:bg>
@@ -3674,27 +3947,7 @@
                 <a:latin typeface="Uroob" panose="00000800000000000000" charset="0"/>
                 <a:cs typeface="Uroob" panose="00000800000000000000" charset="0"/>
               </a:rPr>
-              <a:t>Ethical </a:t>
-            </a:r>
-            <a:r>
-              <a:rPr lang="" altLang="en-US" sz="8000">
-                <a:solidFill>
-                  <a:srgbClr val="C6790C"/>
-                </a:solidFill>
-                <a:latin typeface="Uroob" panose="00000800000000000000" charset="0"/>
-                <a:cs typeface="Uroob" panose="00000800000000000000" charset="0"/>
-              </a:rPr>
-              <a:t>H</a:t>
-            </a:r>
-            <a:r>
-              <a:rPr lang="en-US" altLang="en-US" sz="8000">
-                <a:solidFill>
-                  <a:srgbClr val="C6790C"/>
-                </a:solidFill>
-                <a:latin typeface="Uroob" panose="00000800000000000000" charset="0"/>
-                <a:cs typeface="Uroob" panose="00000800000000000000" charset="0"/>
-              </a:rPr>
-              <a:t>acker </a:t>
+              <a:t>Purpose of Ethical Hacking</a:t>
             </a:r>
             <a:endParaRPr lang="en-US" altLang="en-US" sz="8000">
               <a:solidFill>
@@ -3715,7 +3968,7 @@
         <p:spPr>
           <a:xfrm>
             <a:off x="560705" y="2320290"/>
-            <a:ext cx="4139565" cy="1322070"/>
+            <a:ext cx="5487035" cy="1568450"/>
           </a:xfrm>
           <a:prstGeom prst="rect">
             <a:avLst/>
@@ -3729,39 +3982,62 @@
           <a:p>
             <a:pPr algn="l"/>
             <a:r>
-              <a:rPr lang="" altLang="en-US" sz="4000"/>
-              <a:t>Hacker who </a:t>
-            </a:r>
-            <a:endParaRPr lang="" altLang="en-US" sz="4000"/>
+              <a:rPr lang="en-US" altLang="en-US" sz="3200"/>
+              <a:t>evaluate the</a:t>
+            </a:r>
+            <a:endParaRPr lang="en-US" altLang="en-US" sz="3200"/>
           </a:p>
           <a:p>
             <a:pPr algn="l"/>
             <a:r>
-              <a:rPr lang="" altLang="en-US" sz="4000"/>
-              <a:t>protects hacker</a:t>
-            </a:r>
-            <a:endParaRPr lang="" altLang="en-US" sz="4000"/>
+              <a:rPr lang="en-US" altLang="en-US" sz="3200"/>
+              <a:t>security and identify</a:t>
+            </a:r>
+            <a:endParaRPr lang="en-US" altLang="en-US" sz="3200"/>
+          </a:p>
+          <a:p>
+            <a:pPr algn="l"/>
+            <a:r>
+              <a:rPr lang="en-US" altLang="en-US" sz="3200"/>
+              <a:t> vulnerabilities in systems</a:t>
+            </a:r>
+            <a:endParaRPr lang="en-US" altLang="en-US" sz="3200"/>
           </a:p>
         </p:txBody>
       </p:sp>
       <p:pic>
         <p:nvPicPr>
-          <p:cNvPr id="4" name="Picture 2" descr="IMG_256"/>
+          <p:cNvPr id="3" name="Picture 3" descr="IMG_256"/>
           <p:cNvPicPr>
             <a:picLocks noChangeAspect="1"/>
           </p:cNvPicPr>
           <p:nvPr/>
         </p:nvPicPr>
         <p:blipFill>
-          <a:blip r:embed="rId4"/>
+          <a:blip r:embed="rId4">
+            <a:clrChange>
+              <a:clrFrom>
+                <a:srgbClr val="FFFFFF">
+                  <a:alpha val="100000"/>
+                </a:srgbClr>
+              </a:clrFrom>
+              <a:clrTo>
+                <a:srgbClr val="FFFFFF">
+                  <a:alpha val="100000"/>
+                  <a:alpha val="0"/>
+                </a:srgbClr>
+              </a:clrTo>
+            </a:clrChange>
+            <a:lum bright="-6000"/>
+          </a:blip>
           <a:stretch>
             <a:fillRect/>
           </a:stretch>
         </p:blipFill>
         <p:spPr>
           <a:xfrm>
-            <a:off x="5451475" y="2076450"/>
-            <a:ext cx="6400165" cy="3621405"/>
+            <a:off x="6250940" y="2862580"/>
+            <a:ext cx="5926455" cy="2353310"/>
           </a:xfrm>
           <a:prstGeom prst="rect">
             <a:avLst/>
@@ -3780,7 +4056,7 @@
 </p:sld>
 </file>
 
-<file path=ppt/slides/slide3.xml><?xml version="1.0" encoding="utf-8"?>
+<file path=ppt/slides/slide4.xml><?xml version="1.0" encoding="utf-8"?>
 <p:sld xmlns:a="http://schemas.openxmlformats.org/drawingml/2006/main" xmlns:r="http://schemas.openxmlformats.org/officeDocument/2006/relationships" xmlns:p="http://schemas.openxmlformats.org/presentationml/2006/main">
   <p:cSld>
     <p:bg>
@@ -4050,16 +4326,16 @@
           </a:bodyPr>
           <a:p>
             <a:r>
-              <a:rPr lang="en-US" altLang="en-US" sz="8000">
+              <a:rPr lang="en-US" sz="8000">
                 <a:solidFill>
                   <a:srgbClr val="C6790C"/>
                 </a:solidFill>
                 <a:latin typeface="Uroob" panose="00000800000000000000" charset="0"/>
                 <a:cs typeface="Uroob" panose="00000800000000000000" charset="0"/>
               </a:rPr>
-              <a:t>Purpose of Ethical Hacking</a:t>
-            </a:r>
-            <a:endParaRPr lang="en-US" altLang="en-US" sz="8000">
+              <a:t>Comparison of Hackers</a:t>
+            </a:r>
+            <a:endParaRPr lang="en-US" sz="8000">
               <a:solidFill>
                 <a:srgbClr val="C6790C"/>
               </a:solidFill>
@@ -4069,55 +4345,9 @@
           </a:p>
         </p:txBody>
       </p:sp>
-      <p:sp>
-        <p:nvSpPr>
-          <p:cNvPr id="2" name="Text Box 1"/>
-          <p:cNvSpPr txBox="1"/>
-          <p:nvPr/>
-        </p:nvSpPr>
-        <p:spPr>
-          <a:xfrm>
-            <a:off x="560705" y="2320290"/>
-            <a:ext cx="5487035" cy="1568450"/>
-          </a:xfrm>
-          <a:prstGeom prst="rect">
-            <a:avLst/>
-          </a:prstGeom>
-          <a:noFill/>
-        </p:spPr>
-        <p:txBody>
-          <a:bodyPr wrap="none" rtlCol="0">
-            <a:spAutoFit/>
-          </a:bodyPr>
-          <a:p>
-            <a:pPr algn="l"/>
-            <a:r>
-              <a:rPr lang="en-US" altLang="en-US" sz="3200"/>
-              <a:t>evaluate the</a:t>
-            </a:r>
-            <a:endParaRPr lang="en-US" altLang="en-US" sz="3200"/>
-          </a:p>
-          <a:p>
-            <a:pPr algn="l"/>
-            <a:r>
-              <a:rPr lang="en-US" altLang="en-US" sz="3200"/>
-              <a:t>security and identify</a:t>
-            </a:r>
-            <a:endParaRPr lang="en-US" altLang="en-US" sz="3200"/>
-          </a:p>
-          <a:p>
-            <a:pPr algn="l"/>
-            <a:r>
-              <a:rPr lang="en-US" altLang="en-US" sz="3200"/>
-              <a:t> vulnerabilities in systems</a:t>
-            </a:r>
-            <a:endParaRPr lang="en-US" altLang="en-US" sz="3200"/>
-          </a:p>
-        </p:txBody>
-      </p:sp>
       <p:pic>
         <p:nvPicPr>
-          <p:cNvPr id="3" name="Picture 3" descr="IMG_256"/>
+          <p:cNvPr id="4" name="Picture 6" descr="IMG_256"/>
           <p:cNvPicPr>
             <a:picLocks noChangeAspect="1"/>
           </p:cNvPicPr>
@@ -4127,27 +4357,28 @@
           <a:blip r:embed="rId4">
             <a:clrChange>
               <a:clrFrom>
-                <a:srgbClr val="FFFFFF">
+                <a:srgbClr val="FEFEFE">
                   <a:alpha val="100000"/>
                 </a:srgbClr>
               </a:clrFrom>
               <a:clrTo>
-                <a:srgbClr val="FFFFFF">
+                <a:srgbClr val="FEFEFE">
                   <a:alpha val="100000"/>
                   <a:alpha val="0"/>
                 </a:srgbClr>
               </a:clrTo>
             </a:clrChange>
-            <a:lum bright="-6000"/>
+            <a:lum bright="-12000"/>
           </a:blip>
+          <a:srcRect l="4378" t="6832" r="4578" b="6501"/>
           <a:stretch>
             <a:fillRect/>
           </a:stretch>
         </p:blipFill>
         <p:spPr>
           <a:xfrm>
-            <a:off x="6250940" y="2862580"/>
-            <a:ext cx="5926455" cy="2353310"/>
+            <a:off x="2416175" y="1483995"/>
+            <a:ext cx="7531100" cy="4522470"/>
           </a:xfrm>
           <a:prstGeom prst="rect">
             <a:avLst/>
@@ -4166,7 +4397,7 @@
 </p:sld>
 </file>
 
-<file path=ppt/slides/slide4.xml><?xml version="1.0" encoding="utf-8"?>
+<file path=ppt/slides/slide5.xml><?xml version="1.0" encoding="utf-8"?>
 <p:sld xmlns:a="http://schemas.openxmlformats.org/drawingml/2006/main" xmlns:r="http://schemas.openxmlformats.org/officeDocument/2006/relationships" xmlns:p="http://schemas.openxmlformats.org/presentationml/2006/main">
   <p:cSld>
     <p:bg>
@@ -4436,16 +4667,56 @@
           </a:bodyPr>
           <a:p>
             <a:r>
-              <a:rPr lang="" sz="8000">
+              <a:rPr lang="en-US" sz="8000">
                 <a:solidFill>
                   <a:srgbClr val="C6790C"/>
                 </a:solidFill>
                 <a:latin typeface="Uroob" panose="00000800000000000000" charset="0"/>
                 <a:cs typeface="Uroob" panose="00000800000000000000" charset="0"/>
               </a:rPr>
-              <a:t>Comparison of Hackers</a:t>
-            </a:r>
-            <a:endParaRPr lang="" sz="8000">
+              <a:t>Ethical </a:t>
+            </a:r>
+            <a:r>
+              <a:rPr lang="en-US" altLang="en-US" sz="8000">
+                <a:solidFill>
+                  <a:srgbClr val="C6790C"/>
+                </a:solidFill>
+                <a:latin typeface="Uroob" panose="00000800000000000000" charset="0"/>
+                <a:cs typeface="Uroob" panose="00000800000000000000" charset="0"/>
+              </a:rPr>
+              <a:t>H</a:t>
+            </a:r>
+            <a:r>
+              <a:rPr lang="en-US" sz="8000">
+                <a:solidFill>
+                  <a:srgbClr val="C6790C"/>
+                </a:solidFill>
+                <a:latin typeface="Uroob" panose="00000800000000000000" charset="0"/>
+                <a:cs typeface="Uroob" panose="00000800000000000000" charset="0"/>
+              </a:rPr>
+              <a:t>acking </a:t>
+            </a:r>
+            <a:r>
+              <a:rPr lang="en-US" altLang="en-US" sz="8000">
+                <a:solidFill>
+                  <a:srgbClr val="C6790C"/>
+                </a:solidFill>
+                <a:latin typeface="Uroob" panose="00000800000000000000" charset="0"/>
+                <a:cs typeface="Uroob" panose="00000800000000000000" charset="0"/>
+              </a:rPr>
+              <a:t>T</a:t>
+            </a:r>
+            <a:r>
+              <a:rPr lang="en-US" sz="8000">
+                <a:solidFill>
+                  <a:srgbClr val="C6790C"/>
+                </a:solidFill>
+                <a:latin typeface="Uroob" panose="00000800000000000000" charset="0"/>
+                <a:cs typeface="Uroob" panose="00000800000000000000" charset="0"/>
+              </a:rPr>
+              <a:t>echniques</a:t>
+            </a:r>
+            <a:endParaRPr lang="en-US" sz="8000">
               <a:solidFill>
                 <a:srgbClr val="C6790C"/>
               </a:solidFill>
@@ -4455,40 +4726,16 @@
           </a:p>
         </p:txBody>
       </p:sp>
-      <p:pic>
-        <p:nvPicPr>
-          <p:cNvPr id="4" name="Picture 6" descr="IMG_256"/>
-          <p:cNvPicPr>
-            <a:picLocks noChangeAspect="1"/>
-          </p:cNvPicPr>
+      <p:sp>
+        <p:nvSpPr>
+          <p:cNvPr id="100" name="Text Box 99"/>
+          <p:cNvSpPr txBox="1"/>
           <p:nvPr/>
-        </p:nvPicPr>
-        <p:blipFill>
-          <a:blip r:embed="rId4">
-            <a:clrChange>
-              <a:clrFrom>
-                <a:srgbClr val="FEFEFE">
-                  <a:alpha val="100000"/>
-                </a:srgbClr>
-              </a:clrFrom>
-              <a:clrTo>
-                <a:srgbClr val="FEFEFE">
-                  <a:alpha val="100000"/>
-                  <a:alpha val="0"/>
-                </a:srgbClr>
-              </a:clrTo>
-            </a:clrChange>
-            <a:lum bright="-12000"/>
-          </a:blip>
-          <a:srcRect l="4378" t="6832" r="4578" b="6501"/>
-          <a:stretch>
-            <a:fillRect/>
-          </a:stretch>
-        </p:blipFill>
-        <p:spPr>
-          <a:xfrm>
-            <a:off x="2416175" y="1483995"/>
-            <a:ext cx="7531100" cy="4522470"/>
+        </p:nvSpPr>
+        <p:spPr>
+          <a:xfrm>
+            <a:off x="2677795" y="1984375"/>
+            <a:ext cx="7938135" cy="2676525"/>
           </a:xfrm>
           <a:prstGeom prst="rect">
             <a:avLst/>
@@ -4498,7 +4745,70 @@
             <a:noFill/>
           </a:ln>
         </p:spPr>
-      </p:pic>
+        <p:txBody>
+          <a:bodyPr wrap="square">
+            <a:spAutoFit/>
+          </a:bodyPr>
+          <a:p>
+            <a:pPr marL="0" indent="0"/>
+            <a:r>
+              <a:rPr lang="en-US" sz="2800" b="0">
+                <a:latin typeface="Calibri" charset="0"/>
+                <a:cs typeface="SimSun" charset="0"/>
+              </a:rPr>
+              <a:t>Scanning ports to find vulnerabilities. Ethical hackers use port scanning tools, such as Nmap, </a:t>
+            </a:r>
+            <a:r>
+              <a:rPr lang="en-US" sz="2800" b="0">
+                <a:solidFill>
+                  <a:srgbClr val="0000FF"/>
+                </a:solidFill>
+                <a:uFill>
+                  <a:solidFill>
+                    <a:srgbClr val="000000"/>
+                  </a:solidFill>
+                </a:uFill>
+                <a:latin typeface="Calibri" charset="0"/>
+                <a:cs typeface="SimSun" charset="0"/>
+              </a:rPr>
+              <a:t>Nessus</a:t>
+            </a:r>
+            <a:r>
+              <a:rPr lang="en-US" sz="2800" b="0">
+                <a:latin typeface="Calibri" charset="0"/>
+                <a:cs typeface="SimSun" charset="0"/>
+              </a:rPr>
+              <a:t> or </a:t>
+            </a:r>
+            <a:r>
+              <a:rPr lang="en-US" sz="2800" b="0">
+                <a:solidFill>
+                  <a:srgbClr val="0000FF"/>
+                </a:solidFill>
+                <a:uFill>
+                  <a:solidFill>
+                    <a:srgbClr val="000000"/>
+                  </a:solidFill>
+                </a:uFill>
+                <a:latin typeface="Calibri" charset="0"/>
+                <a:cs typeface="SimSun" charset="0"/>
+              </a:rPr>
+              <a:t>Wireshark</a:t>
+            </a:r>
+            <a:r>
+              <a:rPr lang="en-US" sz="2800" b="0">
+                <a:latin typeface="Calibri" charset="0"/>
+                <a:cs typeface="SimSun" charset="0"/>
+              </a:rPr>
+              <a:t>, to scan a company's systems, identify open ports, study the vulnerabilities of each port and take remedial action</a:t>
+            </a:r>
+            <a:endParaRPr lang="en-US" sz="2800" b="0">
+              <a:latin typeface="Calibri" charset="0"/>
+              <a:cs typeface="SimSun" charset="0"/>
+            </a:endParaRPr>
+          </a:p>
+        </p:txBody>
+      </p:sp>
     </p:spTree>
   </p:cSld>
   <p:clrMapOvr>
@@ -4507,7 +4817,7 @@
 </p:sld>
 </file>
 
-<file path=ppt/slides/slide5.xml><?xml version="1.0" encoding="utf-8"?>
+<file path=ppt/slides/slide6.xml><?xml version="1.0" encoding="utf-8"?>
 <p:sld xmlns:a="http://schemas.openxmlformats.org/drawingml/2006/main" xmlns:r="http://schemas.openxmlformats.org/officeDocument/2006/relationships" xmlns:p="http://schemas.openxmlformats.org/presentationml/2006/main">
   <p:cSld>
     <p:bg>
@@ -4777,6 +5087,16 @@
           </a:bodyPr>
           <a:p>
             <a:r>
+              <a:rPr lang="en-US" altLang="en-US" sz="8000">
+                <a:solidFill>
+                  <a:srgbClr val="C6790C"/>
+                </a:solidFill>
+                <a:latin typeface="Uroob" panose="00000800000000000000" charset="0"/>
+                <a:cs typeface="Uroob" panose="00000800000000000000" charset="0"/>
+              </a:rPr>
+              <a:t>B</a:t>
+            </a:r>
+            <a:r>
               <a:rPr lang="en-US" sz="8000">
                 <a:solidFill>
                   <a:srgbClr val="C6790C"/>
@@ -4784,10 +5104,30 @@
                 <a:latin typeface="Uroob" panose="00000800000000000000" charset="0"/>
                 <a:cs typeface="Uroob" panose="00000800000000000000" charset="0"/>
               </a:rPr>
-              <a:t>Ethical </a:t>
-            </a:r>
-            <a:r>
-              <a:rPr lang="" altLang="en-US" sz="8000">
+              <a:t>ecome an </a:t>
+            </a:r>
+            <a:r>
+              <a:rPr lang="en-US" altLang="en-US" sz="8000">
+                <a:solidFill>
+                  <a:srgbClr val="C6790C"/>
+                </a:solidFill>
+                <a:latin typeface="Uroob" panose="00000800000000000000" charset="0"/>
+                <a:cs typeface="Uroob" panose="00000800000000000000" charset="0"/>
+              </a:rPr>
+              <a:t>E</a:t>
+            </a:r>
+            <a:r>
+              <a:rPr lang="en-US" sz="8000">
+                <a:solidFill>
+                  <a:srgbClr val="C6790C"/>
+                </a:solidFill>
+                <a:latin typeface="Uroob" panose="00000800000000000000" charset="0"/>
+                <a:cs typeface="Uroob" panose="00000800000000000000" charset="0"/>
+              </a:rPr>
+              <a:t>thical </a:t>
+            </a:r>
+            <a:r>
+              <a:rPr lang="en-US" altLang="en-US" sz="8000">
                 <a:solidFill>
                   <a:srgbClr val="C6790C"/>
                 </a:solidFill>
@@ -4804,27 +5144,7 @@
                 <a:latin typeface="Uroob" panose="00000800000000000000" charset="0"/>
                 <a:cs typeface="Uroob" panose="00000800000000000000" charset="0"/>
               </a:rPr>
-              <a:t>acking </a:t>
-            </a:r>
-            <a:r>
-              <a:rPr lang="" altLang="en-US" sz="8000">
-                <a:solidFill>
-                  <a:srgbClr val="C6790C"/>
-                </a:solidFill>
-                <a:latin typeface="Uroob" panose="00000800000000000000" charset="0"/>
-                <a:cs typeface="Uroob" panose="00000800000000000000" charset="0"/>
-              </a:rPr>
-              <a:t>T</a:t>
-            </a:r>
-            <a:r>
-              <a:rPr lang="en-US" sz="8000">
-                <a:solidFill>
-                  <a:srgbClr val="C6790C"/>
-                </a:solidFill>
-                <a:latin typeface="Uroob" panose="00000800000000000000" charset="0"/>
-                <a:cs typeface="Uroob" panose="00000800000000000000" charset="0"/>
-              </a:rPr>
-              <a:t>echniques</a:t>
+              <a:t>acker</a:t>
             </a:r>
             <a:endParaRPr lang="en-US" sz="8000">
               <a:solidFill>
@@ -4838,14 +5158,14 @@
       </p:sp>
       <p:sp>
         <p:nvSpPr>
-          <p:cNvPr id="100" name="Text Box 99"/>
+          <p:cNvPr id="2" name="Text Box 1"/>
           <p:cNvSpPr txBox="1"/>
           <p:nvPr/>
         </p:nvSpPr>
         <p:spPr>
           <a:xfrm>
-            <a:off x="2677795" y="1984375"/>
-            <a:ext cx="7938135" cy="2676525"/>
+            <a:off x="723900" y="3065780"/>
+            <a:ext cx="5080000" cy="1322070"/>
           </a:xfrm>
           <a:prstGeom prst="rect">
             <a:avLst/>
@@ -4856,69 +5176,49 @@
           </a:ln>
         </p:spPr>
         <p:txBody>
-          <a:bodyPr wrap="square">
+          <a:bodyPr>
             <a:spAutoFit/>
           </a:bodyPr>
           <a:p>
             <a:pPr marL="0" indent="0"/>
             <a:r>
-              <a:rPr lang="en-US" sz="2800" b="0">
+              <a:rPr lang="en-US" sz="2000" b="0">
                 <a:latin typeface="Calibri" charset="0"/>
                 <a:cs typeface="SimSun" charset="0"/>
               </a:rPr>
-              <a:t>Scanning ports to find vulnerabilities. Ethical hackers use port scanning tools, such as Nmap, </a:t>
-            </a:r>
-            <a:r>
-              <a:rPr lang="en-US" sz="2800" b="0">
-                <a:solidFill>
-                  <a:srgbClr val="0000FF"/>
-                </a:solidFill>
-                <a:uFill>
-                  <a:solidFill>
-                    <a:srgbClr val="000000"/>
-                  </a:solidFill>
-                </a:uFill>
-                <a:latin typeface="Calibri" charset="0"/>
-                <a:cs typeface="SimSun" charset="0"/>
-              </a:rPr>
-              <a:t>Nessus</a:t>
-            </a:r>
-            <a:r>
-              <a:rPr lang="en-US" sz="2800" b="0">
-                <a:latin typeface="Calibri" charset="0"/>
-                <a:cs typeface="SimSun" charset="0"/>
-              </a:rPr>
-              <a:t> or </a:t>
-            </a:r>
-            <a:r>
-              <a:rPr lang="en-US" sz="2800" b="0">
-                <a:solidFill>
-                  <a:srgbClr val="0000FF"/>
-                </a:solidFill>
-                <a:uFill>
-                  <a:solidFill>
-                    <a:srgbClr val="000000"/>
-                  </a:solidFill>
-                </a:uFill>
-                <a:latin typeface="Calibri" charset="0"/>
-                <a:cs typeface="SimSun" charset="0"/>
-              </a:rPr>
-              <a:t>Wireshark</a:t>
-            </a:r>
-            <a:r>
-              <a:rPr lang="en-US" sz="2800" b="0">
-                <a:latin typeface="Calibri" charset="0"/>
-                <a:cs typeface="SimSun" charset="0"/>
-              </a:rPr>
-              <a:t>, to scan a company's systems, identify open ports, study the vulnerabilities of each port and take remedial action</a:t>
-            </a:r>
-            <a:endParaRPr lang="en-US" sz="2800" b="0">
+              <a:t>There are no standard education criteria for an ethical hacker, so an organization can set its own requirements for that position.</a:t>
+            </a:r>
+            <a:endParaRPr lang="en-US" sz="2000" b="0">
               <a:latin typeface="Calibri" charset="0"/>
               <a:cs typeface="SimSun" charset="0"/>
             </a:endParaRPr>
           </a:p>
         </p:txBody>
       </p:sp>
+      <p:pic>
+        <p:nvPicPr>
+          <p:cNvPr id="3" name="Picture 2"/>
+          <p:cNvPicPr>
+            <a:picLocks noChangeAspect="1"/>
+          </p:cNvPicPr>
+          <p:nvPr/>
+        </p:nvPicPr>
+        <p:blipFill>
+          <a:blip r:embed="rId4"/>
+          <a:stretch>
+            <a:fillRect/>
+          </a:stretch>
+        </p:blipFill>
+        <p:spPr>
+          <a:xfrm>
+            <a:off x="5508625" y="2106930"/>
+            <a:ext cx="6625590" cy="3850640"/>
+          </a:xfrm>
+          <a:prstGeom prst="rect">
+            <a:avLst/>
+          </a:prstGeom>
+        </p:spPr>
+      </p:pic>
     </p:spTree>
   </p:cSld>
   <p:clrMapOvr>
@@ -4927,7 +5227,7 @@
 </p:sld>
 </file>
 
-<file path=ppt/slides/slide6.xml><?xml version="1.0" encoding="utf-8"?>
+<file path=ppt/slides/slide7.xml><?xml version="1.0" encoding="utf-8"?>
 <p:sld xmlns:a="http://schemas.openxmlformats.org/drawingml/2006/main" xmlns:r="http://schemas.openxmlformats.org/officeDocument/2006/relationships" xmlns:p="http://schemas.openxmlformats.org/presentationml/2006/main">
   <p:cSld>
     <p:bg>
@@ -5197,427 +5497,6 @@
           </a:bodyPr>
           <a:p>
             <a:r>
-              <a:rPr lang="" altLang="en-US" sz="8000">
-                <a:solidFill>
-                  <a:srgbClr val="C6790C"/>
-                </a:solidFill>
-                <a:latin typeface="Uroob" panose="00000800000000000000" charset="0"/>
-                <a:cs typeface="Uroob" panose="00000800000000000000" charset="0"/>
-              </a:rPr>
-              <a:t>B</a:t>
-            </a:r>
-            <a:r>
-              <a:rPr lang="en-US" sz="8000">
-                <a:solidFill>
-                  <a:srgbClr val="C6790C"/>
-                </a:solidFill>
-                <a:latin typeface="Uroob" panose="00000800000000000000" charset="0"/>
-                <a:cs typeface="Uroob" panose="00000800000000000000" charset="0"/>
-              </a:rPr>
-              <a:t>ecome an </a:t>
-            </a:r>
-            <a:r>
-              <a:rPr lang="" altLang="en-US" sz="8000">
-                <a:solidFill>
-                  <a:srgbClr val="C6790C"/>
-                </a:solidFill>
-                <a:latin typeface="Uroob" panose="00000800000000000000" charset="0"/>
-                <a:cs typeface="Uroob" panose="00000800000000000000" charset="0"/>
-              </a:rPr>
-              <a:t>E</a:t>
-            </a:r>
-            <a:r>
-              <a:rPr lang="en-US" sz="8000">
-                <a:solidFill>
-                  <a:srgbClr val="C6790C"/>
-                </a:solidFill>
-                <a:latin typeface="Uroob" panose="00000800000000000000" charset="0"/>
-                <a:cs typeface="Uroob" panose="00000800000000000000" charset="0"/>
-              </a:rPr>
-              <a:t>thical </a:t>
-            </a:r>
-            <a:r>
-              <a:rPr lang="" altLang="en-US" sz="8000">
-                <a:solidFill>
-                  <a:srgbClr val="C6790C"/>
-                </a:solidFill>
-                <a:latin typeface="Uroob" panose="00000800000000000000" charset="0"/>
-                <a:cs typeface="Uroob" panose="00000800000000000000" charset="0"/>
-              </a:rPr>
-              <a:t>H</a:t>
-            </a:r>
-            <a:r>
-              <a:rPr lang="en-US" sz="8000">
-                <a:solidFill>
-                  <a:srgbClr val="C6790C"/>
-                </a:solidFill>
-                <a:latin typeface="Uroob" panose="00000800000000000000" charset="0"/>
-                <a:cs typeface="Uroob" panose="00000800000000000000" charset="0"/>
-              </a:rPr>
-              <a:t>acker</a:t>
-            </a:r>
-            <a:endParaRPr lang="en-US" sz="8000">
-              <a:solidFill>
-                <a:srgbClr val="C6790C"/>
-              </a:solidFill>
-              <a:latin typeface="Uroob" panose="00000800000000000000" charset="0"/>
-              <a:cs typeface="Uroob" panose="00000800000000000000" charset="0"/>
-            </a:endParaRPr>
-          </a:p>
-        </p:txBody>
-      </p:sp>
-      <p:sp>
-        <p:nvSpPr>
-          <p:cNvPr id="2" name="Text Box 1"/>
-          <p:cNvSpPr txBox="1"/>
-          <p:nvPr/>
-        </p:nvSpPr>
-        <p:spPr>
-          <a:xfrm>
-            <a:off x="723900" y="3065780"/>
-            <a:ext cx="5080000" cy="1322070"/>
-          </a:xfrm>
-          <a:prstGeom prst="rect">
-            <a:avLst/>
-          </a:prstGeom>
-          <a:noFill/>
-          <a:ln w="9525">
-            <a:noFill/>
-          </a:ln>
-        </p:spPr>
-        <p:txBody>
-          <a:bodyPr>
-            <a:spAutoFit/>
-          </a:bodyPr>
-          <a:p>
-            <a:pPr marL="0" indent="0"/>
-            <a:r>
-              <a:rPr lang="en-US" sz="2000" b="0">
-                <a:latin typeface="Calibri" charset="0"/>
-                <a:cs typeface="SimSun" charset="0"/>
-              </a:rPr>
-              <a:t>There are no standard education criteria for an ethical hacker, so an organization can set its own requirements for that position.</a:t>
-            </a:r>
-            <a:endParaRPr lang="en-US" sz="2000" b="0">
-              <a:latin typeface="Calibri" charset="0"/>
-              <a:cs typeface="SimSun" charset="0"/>
-            </a:endParaRPr>
-          </a:p>
-        </p:txBody>
-      </p:sp>
-      <p:pic>
-        <p:nvPicPr>
-          <p:cNvPr id="3" name="Picture 2"/>
-          <p:cNvPicPr>
-            <a:picLocks noChangeAspect="1"/>
-          </p:cNvPicPr>
-          <p:nvPr/>
-        </p:nvPicPr>
-        <p:blipFill>
-          <a:blip r:embed="rId4"/>
-          <a:stretch>
-            <a:fillRect/>
-          </a:stretch>
-        </p:blipFill>
-        <p:spPr>
-          <a:xfrm>
-            <a:off x="5508625" y="2106930"/>
-            <a:ext cx="6625590" cy="3850640"/>
-          </a:xfrm>
-          <a:prstGeom prst="rect">
-            <a:avLst/>
-          </a:prstGeom>
-        </p:spPr>
-      </p:pic>
-    </p:spTree>
-  </p:cSld>
-  <p:clrMapOvr>
-    <a:masterClrMapping/>
-  </p:clrMapOvr>
-</p:sld>
-</file>
-
-<file path=ppt/slides/slide7.xml><?xml version="1.0" encoding="utf-8"?>
-<p:sld xmlns:a="http://schemas.openxmlformats.org/drawingml/2006/main" xmlns:r="http://schemas.openxmlformats.org/officeDocument/2006/relationships" xmlns:p="http://schemas.openxmlformats.org/presentationml/2006/main">
-  <p:cSld>
-    <p:bg>
-      <p:bgPr>
-        <a:gradFill>
-          <a:gsLst>
-            <a:gs pos="94000">
-              <a:srgbClr val="54782E">
-                <a:alpha val="100000"/>
-              </a:srgbClr>
-            </a:gs>
-            <a:gs pos="99000">
-              <a:srgbClr val="557A2F">
-                <a:alpha val="100000"/>
-              </a:srgbClr>
-            </a:gs>
-            <a:gs pos="99000">
-              <a:srgbClr val="577D30">
-                <a:alpha val="100000"/>
-              </a:srgbClr>
-            </a:gs>
-            <a:gs pos="98000">
-              <a:srgbClr val="5C8433">
-                <a:alpha val="100000"/>
-              </a:srgbClr>
-            </a:gs>
-            <a:gs pos="96000">
-              <a:srgbClr val="659138">
-                <a:alpha val="100000"/>
-              </a:srgbClr>
-            </a:gs>
-            <a:gs pos="92000">
-              <a:srgbClr val="78AC42">
-                <a:alpha val="100000"/>
-              </a:srgbClr>
-            </a:gs>
-            <a:gs pos="42000">
-              <a:schemeClr val="bg1"/>
-            </a:gs>
-            <a:gs pos="100000">
-              <a:srgbClr val="52762D"/>
-            </a:gs>
-          </a:gsLst>
-          <a:lin ang="2700000" scaled="0"/>
-        </a:gradFill>
-        <a:effectLst/>
-      </p:bgPr>
-    </p:bg>
-    <p:spTree>
-      <p:nvGrpSpPr>
-        <p:cNvPr id="1" name=""/>
-        <p:cNvGrpSpPr/>
-        <p:nvPr/>
-      </p:nvGrpSpPr>
-      <p:grpSpPr/>
-      <p:pic>
-        <p:nvPicPr>
-          <p:cNvPr id="5" name="Picture 4" descr="United TrusT Logo"/>
-          <p:cNvPicPr>
-            <a:picLocks noChangeAspect="1"/>
-          </p:cNvPicPr>
-          <p:nvPr/>
-        </p:nvPicPr>
-        <p:blipFill>
-          <a:blip r:embed="rId1"/>
-          <a:stretch>
-            <a:fillRect/>
-          </a:stretch>
-        </p:blipFill>
-        <p:spPr>
-          <a:xfrm>
-            <a:off x="108585" y="6128385"/>
-            <a:ext cx="1650365" cy="634365"/>
-          </a:xfrm>
-          <a:prstGeom prst="rect">
-            <a:avLst/>
-          </a:prstGeom>
-        </p:spPr>
-      </p:pic>
-      <p:pic>
-        <p:nvPicPr>
-          <p:cNvPr id="6" name="Picture 5" descr="bdedu_logo"/>
-          <p:cNvPicPr>
-            <a:picLocks noChangeAspect="1"/>
-          </p:cNvPicPr>
-          <p:nvPr/>
-        </p:nvPicPr>
-        <p:blipFill>
-          <a:blip r:embed="rId2"/>
-          <a:stretch>
-            <a:fillRect/>
-          </a:stretch>
-        </p:blipFill>
-        <p:spPr>
-          <a:xfrm>
-            <a:off x="9440545" y="6061710"/>
-            <a:ext cx="2693670" cy="701040"/>
-          </a:xfrm>
-          <a:prstGeom prst="rect">
-            <a:avLst/>
-          </a:prstGeom>
-        </p:spPr>
-      </p:pic>
-      <p:pic>
-        <p:nvPicPr>
-          <p:cNvPr id="9" name="Picture 8"/>
-          <p:cNvPicPr>
-            <a:picLocks noChangeAspect="1"/>
-          </p:cNvPicPr>
-          <p:nvPr/>
-        </p:nvPicPr>
-        <p:blipFill>
-          <a:blip r:embed="rId3">
-            <a:lum bright="24000"/>
-          </a:blip>
-          <a:stretch>
-            <a:fillRect/>
-          </a:stretch>
-        </p:blipFill>
-        <p:spPr>
-          <a:xfrm>
-            <a:off x="108585" y="-498475"/>
-            <a:ext cx="2097405" cy="2482850"/>
-          </a:xfrm>
-          <a:prstGeom prst="rect">
-            <a:avLst/>
-          </a:prstGeom>
-          <a:noFill/>
-          <a:ln>
-            <a:noFill/>
-          </a:ln>
-        </p:spPr>
-      </p:pic>
-      <p:sp>
-        <p:nvSpPr>
-          <p:cNvPr id="10" name="Freeform 9"/>
-          <p:cNvSpPr/>
-          <p:nvPr/>
-        </p:nvSpPr>
-        <p:spPr>
-          <a:xfrm>
-            <a:off x="2205990" y="283845"/>
-            <a:ext cx="9353550" cy="1162050"/>
-          </a:xfrm>
-          <a:custGeom>
-            <a:avLst/>
-            <a:gdLst>
-              <a:gd name="connsiteX0" fmla="*/ 0 w 14730"/>
-              <a:gd name="connsiteY0" fmla="*/ 0 h 1830"/>
-              <a:gd name="connsiteX1" fmla="*/ 13869 w 14730"/>
-              <a:gd name="connsiteY1" fmla="*/ 60 h 1830"/>
-              <a:gd name="connsiteX2" fmla="*/ 14730 w 14730"/>
-              <a:gd name="connsiteY2" fmla="*/ 1830 h 1830"/>
-              <a:gd name="connsiteX3" fmla="*/ 0 w 14730"/>
-              <a:gd name="connsiteY3" fmla="*/ 1830 h 1830"/>
-              <a:gd name="connsiteX4" fmla="*/ 0 w 14730"/>
-              <a:gd name="connsiteY4" fmla="*/ 0 h 1830"/>
-            </a:gdLst>
-            <a:ahLst/>
-            <a:cxnLst>
-              <a:cxn ang="0">
-                <a:pos x="connsiteX0" y="connsiteY0"/>
-              </a:cxn>
-              <a:cxn ang="0">
-                <a:pos x="connsiteX1" y="connsiteY1"/>
-              </a:cxn>
-              <a:cxn ang="0">
-                <a:pos x="connsiteX2" y="connsiteY2"/>
-              </a:cxn>
-              <a:cxn ang="0">
-                <a:pos x="connsiteX3" y="connsiteY3"/>
-              </a:cxn>
-              <a:cxn ang="0">
-                <a:pos x="connsiteX4" y="connsiteY4"/>
-              </a:cxn>
-            </a:cxnLst>
-            <a:rect l="l" t="t" r="r" b="b"/>
-            <a:pathLst>
-              <a:path w="14730" h="1830">
-                <a:moveTo>
-                  <a:pt x="0" y="0"/>
-                </a:moveTo>
-                <a:lnTo>
-                  <a:pt x="13869" y="60"/>
-                </a:lnTo>
-                <a:lnTo>
-                  <a:pt x="14730" y="1830"/>
-                </a:lnTo>
-                <a:lnTo>
-                  <a:pt x="0" y="1830"/>
-                </a:lnTo>
-                <a:lnTo>
-                  <a:pt x="0" y="0"/>
-                </a:lnTo>
-                <a:close/>
-              </a:path>
-            </a:pathLst>
-          </a:custGeom>
-          <a:gradFill>
-            <a:gsLst>
-              <a:gs pos="80000">
-                <a:srgbClr val="92D050"/>
-              </a:gs>
-              <a:gs pos="100000">
-                <a:schemeClr val="accent1">
-                  <a:lumMod val="30000"/>
-                  <a:lumOff val="70000"/>
-                </a:schemeClr>
-              </a:gs>
-            </a:gsLst>
-            <a:path path="rect">
-              <a:fillToRect l="50000" t="50000" r="50000" b="50000"/>
-            </a:path>
-            <a:tileRect/>
-          </a:gradFill>
-          <a:ln>
-            <a:solidFill>
-              <a:schemeClr val="bg1">
-                <a:alpha val="88000"/>
-              </a:schemeClr>
-            </a:solidFill>
-          </a:ln>
-        </p:spPr>
-        <p:style>
-          <a:lnRef idx="2">
-            <a:schemeClr val="accent1">
-              <a:shade val="50000"/>
-            </a:schemeClr>
-          </a:lnRef>
-          <a:fillRef idx="1">
-            <a:schemeClr val="accent1"/>
-          </a:fillRef>
-          <a:effectRef idx="0">
-            <a:schemeClr val="accent1"/>
-          </a:effectRef>
-          <a:fontRef idx="minor">
-            <a:schemeClr val="lt1"/>
-          </a:fontRef>
-        </p:style>
-        <p:txBody>
-          <a:bodyPr rtlCol="0" anchor="ctr"/>
-          <a:p>
-            <a:pPr algn="ctr"/>
-            <a:endParaRPr lang="en-US"/>
-          </a:p>
-        </p:txBody>
-      </p:sp>
-      <p:sp>
-        <p:nvSpPr>
-          <p:cNvPr id="11" name="Text Box 10"/>
-          <p:cNvSpPr txBox="1"/>
-          <p:nvPr/>
-        </p:nvSpPr>
-        <p:spPr>
-          <a:xfrm>
-            <a:off x="2205990" y="283845"/>
-            <a:ext cx="9508490" cy="1322070"/>
-          </a:xfrm>
-          <a:prstGeom prst="rect">
-            <a:avLst/>
-          </a:prstGeom>
-          <a:noFill/>
-        </p:spPr>
-        <p:txBody>
-          <a:bodyPr wrap="square" rtlCol="0">
-            <a:spAutoFit/>
-          </a:bodyPr>
-          <a:p>
-            <a:r>
-              <a:rPr lang="" altLang="en-US" sz="8000">
-                <a:solidFill>
-                  <a:srgbClr val="C6790C"/>
-                </a:solidFill>
-                <a:latin typeface="Uroob" panose="00000800000000000000" charset="0"/>
-                <a:cs typeface="Uroob" panose="00000800000000000000" charset="0"/>
-                <a:sym typeface="+mn-ea"/>
-              </a:rPr>
-              <a:t>Certified </a:t>
-            </a:r>
-            <a:r>
               <a:rPr lang="en-US" altLang="en-US" sz="8000">
                 <a:solidFill>
                   <a:srgbClr val="C6790C"/>
@@ -5626,7 +5505,7 @@
                 <a:cs typeface="Uroob" panose="00000800000000000000" charset="0"/>
                 <a:sym typeface="+mn-ea"/>
               </a:rPr>
-              <a:t>E</a:t>
+              <a:t>Certified E</a:t>
             </a:r>
             <a:r>
               <a:rPr lang="en-US" sz="8000">
@@ -5694,18 +5573,18 @@
           <a:p>
             <a:pPr algn="l"/>
             <a:r>
-              <a:rPr lang="" altLang="en-US" sz="2400"/>
+              <a:rPr lang="en-US" altLang="en-US" sz="2400"/>
               <a:t>CEH takes exam to ensure a ethical hackers quality and skills.</a:t>
             </a:r>
-            <a:endParaRPr lang="" altLang="en-US" sz="2400"/>
+            <a:endParaRPr lang="en-US" altLang="en-US" sz="2400"/>
           </a:p>
           <a:p>
             <a:pPr algn="l"/>
             <a:r>
-              <a:rPr lang="" altLang="en-US" sz="2400"/>
+              <a:rPr lang="en-US" altLang="en-US" sz="2400"/>
               <a:t>This certification covers more than 270 attacks technologies.</a:t>
             </a:r>
-            <a:endParaRPr lang="" altLang="en-US" sz="2400"/>
+            <a:endParaRPr lang="en-US" altLang="en-US" sz="2400"/>
           </a:p>
         </p:txBody>
       </p:sp>
